--- a/src/SE_ELAN/Stimuli/Instructions_new.pptx
+++ b/src/SE_ELAN/Stimuli/Instructions_new.pptx
@@ -231,7 +231,7 @@
           <a:p>
             <a:fld id="{457B588A-FAB3-4C3F-A999-7E77BA0B8118}" type="datetimeFigureOut">
               <a:rPr lang="en-GB" smtClean="0"/>
-              <a:t>08/11/2021</a:t>
+              <a:t>09/11/2021</a:t>
             </a:fld>
             <a:endParaRPr lang="en-GB"/>
           </a:p>
@@ -297,7 +297,7 @@
           <a:p>
             <a:fld id="{756993CC-A683-496E-881E-006544134775}" type="slidenum">
               <a:rPr lang="en-GB" smtClean="0"/>
-              <a:t>‹N°›</a:t>
+              <a:t>‹#›</a:t>
             </a:fld>
             <a:endParaRPr lang="en-GB"/>
           </a:p>
@@ -445,7 +445,7 @@
           <a:p>
             <a:fld id="{1C2A38D2-D57A-4E64-B95F-0826012D069A}" type="datetimeFigureOut">
               <a:rPr lang="en-GB" smtClean="0"/>
-              <a:t>08/11/2021</a:t>
+              <a:t>09/11/2021</a:t>
             </a:fld>
             <a:endParaRPr lang="en-GB" dirty="0"/>
           </a:p>
@@ -487,7 +487,7 @@
           <a:p>
             <a:fld id="{9D7F7A4F-C86B-4E97-8396-79EF10BBD040}" type="slidenum">
               <a:rPr lang="en-GB" smtClean="0"/>
-              <a:t>‹N°›</a:t>
+              <a:t>‹#›</a:t>
             </a:fld>
             <a:endParaRPr lang="en-GB" dirty="0"/>
           </a:p>
@@ -615,7 +615,7 @@
           <a:p>
             <a:fld id="{1C2A38D2-D57A-4E64-B95F-0826012D069A}" type="datetimeFigureOut">
               <a:rPr lang="en-GB" smtClean="0"/>
-              <a:t>08/11/2021</a:t>
+              <a:t>09/11/2021</a:t>
             </a:fld>
             <a:endParaRPr lang="en-GB" dirty="0"/>
           </a:p>
@@ -657,7 +657,7 @@
           <a:p>
             <a:fld id="{9D7F7A4F-C86B-4E97-8396-79EF10BBD040}" type="slidenum">
               <a:rPr lang="en-GB" smtClean="0"/>
-              <a:t>‹N°›</a:t>
+              <a:t>‹#›</a:t>
             </a:fld>
             <a:endParaRPr lang="en-GB" dirty="0"/>
           </a:p>
@@ -795,7 +795,7 @@
           <a:p>
             <a:fld id="{1C2A38D2-D57A-4E64-B95F-0826012D069A}" type="datetimeFigureOut">
               <a:rPr lang="en-GB" smtClean="0"/>
-              <a:t>08/11/2021</a:t>
+              <a:t>09/11/2021</a:t>
             </a:fld>
             <a:endParaRPr lang="en-GB" dirty="0"/>
           </a:p>
@@ -837,7 +837,7 @@
           <a:p>
             <a:fld id="{9D7F7A4F-C86B-4E97-8396-79EF10BBD040}" type="slidenum">
               <a:rPr lang="en-GB" smtClean="0"/>
-              <a:t>‹N°›</a:t>
+              <a:t>‹#›</a:t>
             </a:fld>
             <a:endParaRPr lang="en-GB" dirty="0"/>
           </a:p>
@@ -965,7 +965,7 @@
           <a:p>
             <a:fld id="{1C2A38D2-D57A-4E64-B95F-0826012D069A}" type="datetimeFigureOut">
               <a:rPr lang="en-GB" smtClean="0"/>
-              <a:t>08/11/2021</a:t>
+              <a:t>09/11/2021</a:t>
             </a:fld>
             <a:endParaRPr lang="en-GB" dirty="0"/>
           </a:p>
@@ -1007,7 +1007,7 @@
           <a:p>
             <a:fld id="{9D7F7A4F-C86B-4E97-8396-79EF10BBD040}" type="slidenum">
               <a:rPr lang="en-GB" smtClean="0"/>
-              <a:t>‹N°›</a:t>
+              <a:t>‹#›</a:t>
             </a:fld>
             <a:endParaRPr lang="en-GB" dirty="0"/>
           </a:p>
@@ -1211,7 +1211,7 @@
           <a:p>
             <a:fld id="{1C2A38D2-D57A-4E64-B95F-0826012D069A}" type="datetimeFigureOut">
               <a:rPr lang="en-GB" smtClean="0"/>
-              <a:t>08/11/2021</a:t>
+              <a:t>09/11/2021</a:t>
             </a:fld>
             <a:endParaRPr lang="en-GB" dirty="0"/>
           </a:p>
@@ -1253,7 +1253,7 @@
           <a:p>
             <a:fld id="{9D7F7A4F-C86B-4E97-8396-79EF10BBD040}" type="slidenum">
               <a:rPr lang="en-GB" smtClean="0"/>
-              <a:t>‹N°›</a:t>
+              <a:t>‹#›</a:t>
             </a:fld>
             <a:endParaRPr lang="en-GB" dirty="0"/>
           </a:p>
@@ -1443,7 +1443,7 @@
           <a:p>
             <a:fld id="{1C2A38D2-D57A-4E64-B95F-0826012D069A}" type="datetimeFigureOut">
               <a:rPr lang="en-GB" smtClean="0"/>
-              <a:t>08/11/2021</a:t>
+              <a:t>09/11/2021</a:t>
             </a:fld>
             <a:endParaRPr lang="en-GB" dirty="0"/>
           </a:p>
@@ -1485,7 +1485,7 @@
           <a:p>
             <a:fld id="{9D7F7A4F-C86B-4E97-8396-79EF10BBD040}" type="slidenum">
               <a:rPr lang="en-GB" smtClean="0"/>
-              <a:t>‹N°›</a:t>
+              <a:t>‹#›</a:t>
             </a:fld>
             <a:endParaRPr lang="en-GB" dirty="0"/>
           </a:p>
@@ -1810,7 +1810,7 @@
           <a:p>
             <a:fld id="{1C2A38D2-D57A-4E64-B95F-0826012D069A}" type="datetimeFigureOut">
               <a:rPr lang="en-GB" smtClean="0"/>
-              <a:t>08/11/2021</a:t>
+              <a:t>09/11/2021</a:t>
             </a:fld>
             <a:endParaRPr lang="en-GB" dirty="0"/>
           </a:p>
@@ -1852,7 +1852,7 @@
           <a:p>
             <a:fld id="{9D7F7A4F-C86B-4E97-8396-79EF10BBD040}" type="slidenum">
               <a:rPr lang="en-GB" smtClean="0"/>
-              <a:t>‹N°›</a:t>
+              <a:t>‹#›</a:t>
             </a:fld>
             <a:endParaRPr lang="en-GB" dirty="0"/>
           </a:p>
@@ -1928,7 +1928,7 @@
           <a:p>
             <a:fld id="{1C2A38D2-D57A-4E64-B95F-0826012D069A}" type="datetimeFigureOut">
               <a:rPr lang="en-GB" smtClean="0"/>
-              <a:t>08/11/2021</a:t>
+              <a:t>09/11/2021</a:t>
             </a:fld>
             <a:endParaRPr lang="en-GB" dirty="0"/>
           </a:p>
@@ -1970,7 +1970,7 @@
           <a:p>
             <a:fld id="{9D7F7A4F-C86B-4E97-8396-79EF10BBD040}" type="slidenum">
               <a:rPr lang="en-GB" smtClean="0"/>
-              <a:t>‹N°›</a:t>
+              <a:t>‹#›</a:t>
             </a:fld>
             <a:endParaRPr lang="en-GB" dirty="0"/>
           </a:p>
@@ -2023,7 +2023,7 @@
           <a:p>
             <a:fld id="{1C2A38D2-D57A-4E64-B95F-0826012D069A}" type="datetimeFigureOut">
               <a:rPr lang="en-GB" smtClean="0"/>
-              <a:t>08/11/2021</a:t>
+              <a:t>09/11/2021</a:t>
             </a:fld>
             <a:endParaRPr lang="en-GB" dirty="0"/>
           </a:p>
@@ -2065,7 +2065,7 @@
           <a:p>
             <a:fld id="{9D7F7A4F-C86B-4E97-8396-79EF10BBD040}" type="slidenum">
               <a:rPr lang="en-GB" smtClean="0"/>
-              <a:t>‹N°›</a:t>
+              <a:t>‹#›</a:t>
             </a:fld>
             <a:endParaRPr lang="en-GB" dirty="0"/>
           </a:p>
@@ -2300,7 +2300,7 @@
           <a:p>
             <a:fld id="{1C2A38D2-D57A-4E64-B95F-0826012D069A}" type="datetimeFigureOut">
               <a:rPr lang="en-GB" smtClean="0"/>
-              <a:t>08/11/2021</a:t>
+              <a:t>09/11/2021</a:t>
             </a:fld>
             <a:endParaRPr lang="en-GB" dirty="0"/>
           </a:p>
@@ -2342,7 +2342,7 @@
           <a:p>
             <a:fld id="{9D7F7A4F-C86B-4E97-8396-79EF10BBD040}" type="slidenum">
               <a:rPr lang="en-GB" smtClean="0"/>
-              <a:t>‹N°›</a:t>
+              <a:t>‹#›</a:t>
             </a:fld>
             <a:endParaRPr lang="en-GB" dirty="0"/>
           </a:p>
@@ -2553,7 +2553,7 @@
           <a:p>
             <a:fld id="{1C2A38D2-D57A-4E64-B95F-0826012D069A}" type="datetimeFigureOut">
               <a:rPr lang="en-GB" smtClean="0"/>
-              <a:t>08/11/2021</a:t>
+              <a:t>09/11/2021</a:t>
             </a:fld>
             <a:endParaRPr lang="en-GB" dirty="0"/>
           </a:p>
@@ -2595,7 +2595,7 @@
           <a:p>
             <a:fld id="{9D7F7A4F-C86B-4E97-8396-79EF10BBD040}" type="slidenum">
               <a:rPr lang="en-GB" smtClean="0"/>
-              <a:t>‹N°›</a:t>
+              <a:t>‹#›</a:t>
             </a:fld>
             <a:endParaRPr lang="en-GB" dirty="0"/>
           </a:p>
@@ -2766,7 +2766,7 @@
           <a:p>
             <a:fld id="{1C2A38D2-D57A-4E64-B95F-0826012D069A}" type="datetimeFigureOut">
               <a:rPr lang="en-GB" smtClean="0"/>
-              <a:t>08/11/2021</a:t>
+              <a:t>09/11/2021</a:t>
             </a:fld>
             <a:endParaRPr lang="en-GB" dirty="0"/>
           </a:p>
@@ -2844,7 +2844,7 @@
           <a:p>
             <a:fld id="{9D7F7A4F-C86B-4E97-8396-79EF10BBD040}" type="slidenum">
               <a:rPr lang="en-GB" smtClean="0"/>
-              <a:t>‹N°›</a:t>
+              <a:t>‹#›</a:t>
             </a:fld>
             <a:endParaRPr lang="en-GB" dirty="0"/>
           </a:p>
@@ -13648,7 +13648,7 @@
               </a:r>
               <a:r>
                 <a:rPr lang="en-GB" sz="2400" dirty="0"/>
-                <a:t> 20 </a:t>
+                <a:t> 12 </a:t>
               </a:r>
               <a:r>
                 <a:rPr lang="en-GB" sz="2400" dirty="0" err="1"/>
